--- a/AI-Predictive-Modeler-Insight.pptx
+++ b/AI-Predictive-Modeler-Insight.pptx
@@ -4365,7 +4365,7 @@
         </p:nvSpPr>
         <p:spPr>
           <a:xfrm>
-            <a:off x="5874502" y="425112"/>
+            <a:off x="5817425" y="2376438"/>
             <a:ext cx="1065143" cy="545464"/>
           </a:xfrm>
           <a:prstGeom prst="roundRect">
@@ -4832,9 +4832,9 @@
           <p:nvPr/>
         </p:nvCxnSpPr>
         <p:spPr>
-          <a:xfrm flipV="1">
-            <a:off x="4834271" y="697844"/>
-            <a:ext cx="1040231" cy="1250965"/>
+          <a:xfrm>
+            <a:off x="4834271" y="1948809"/>
+            <a:ext cx="983154" cy="700361"/>
           </a:xfrm>
           <a:prstGeom prst="bentConnector3">
             <a:avLst/>
@@ -5036,8 +5036,8 @@
         </p:nvSpPr>
         <p:spPr>
           <a:xfrm>
-            <a:off x="4958447" y="1149610"/>
-            <a:ext cx="2124586" cy="276999"/>
+            <a:off x="4576161" y="1710416"/>
+            <a:ext cx="2124586" cy="461665"/>
           </a:xfrm>
           <a:prstGeom prst="rect">
             <a:avLst/>
@@ -5058,7 +5058,19 @@
                 </a:solidFill>
                 <a:latin typeface="Ink Free" panose="03080402000500000000" pitchFamily="66" charset="0"/>
               </a:rPr>
-              <a:t>Anomaly Explainer</a:t>
+              <a:t>Anomaly</a:t>
+            </a:r>
+          </a:p>
+          <a:p>
+            <a:pPr algn="ctr"/>
+            <a:r>
+              <a:rPr lang="en-US" sz="1200" dirty="0">
+                <a:solidFill>
+                  <a:schemeClr val="tx1"/>
+                </a:solidFill>
+                <a:latin typeface="Ink Free" panose="03080402000500000000" pitchFamily="66" charset="0"/>
+              </a:rPr>
+              <a:t> Explainer</a:t>
             </a:r>
           </a:p>
         </p:txBody>
@@ -5077,7 +5089,7 @@
         </p:nvSpPr>
         <p:spPr>
           <a:xfrm>
-            <a:off x="5344780" y="127683"/>
+            <a:off x="5287703" y="2874262"/>
             <a:ext cx="2124586" cy="276999"/>
           </a:xfrm>
           <a:prstGeom prst="rect">
@@ -5202,7 +5214,7 @@
         </p:nvSpPr>
         <p:spPr>
           <a:xfrm>
-            <a:off x="396589" y="-17747"/>
+            <a:off x="1684181" y="-31867"/>
             <a:ext cx="3996917" cy="430887"/>
           </a:xfrm>
           <a:prstGeom prst="rect">
